--- a/Core_Szablon prezentacji projektu.pptx
+++ b/Core_Szablon prezentacji projektu.pptx
@@ -5,7 +5,7 @@
     <p:sldMasterId id="2147483660" r:id="rId1"/>
   </p:sldMasterIdLst>
   <p:notesMasterIdLst>
-    <p:notesMasterId r:id="rId10"/>
+    <p:notesMasterId r:id="rId11"/>
   </p:notesMasterIdLst>
   <p:sldIdLst>
     <p:sldId id="256" r:id="rId2"/>
@@ -14,32 +14,33 @@
     <p:sldId id="259" r:id="rId5"/>
     <p:sldId id="260" r:id="rId6"/>
     <p:sldId id="261" r:id="rId7"/>
-    <p:sldId id="262" r:id="rId8"/>
-    <p:sldId id="263" r:id="rId9"/>
+    <p:sldId id="264" r:id="rId8"/>
+    <p:sldId id="262" r:id="rId9"/>
+    <p:sldId id="263" r:id="rId10"/>
   </p:sldIdLst>
   <p:sldSz cx="9144000" cy="5143500" type="screen16x9"/>
   <p:notesSz cx="6858000" cy="9144000"/>
   <p:embeddedFontLst>
     <p:embeddedFont>
       <p:font typeface="Montserrat" panose="020B0604020202020204" charset="-52"/>
-      <p:regular r:id="rId11"/>
-      <p:bold r:id="rId12"/>
-      <p:italic r:id="rId13"/>
-      <p:boldItalic r:id="rId14"/>
+      <p:regular r:id="rId12"/>
+      <p:bold r:id="rId13"/>
+      <p:italic r:id="rId14"/>
+      <p:boldItalic r:id="rId15"/>
     </p:embeddedFont>
     <p:embeddedFont>
       <p:font typeface="Montserrat Light" panose="020B0604020202020204" charset="-52"/>
-      <p:regular r:id="rId15"/>
-      <p:bold r:id="rId16"/>
-      <p:italic r:id="rId17"/>
-      <p:boldItalic r:id="rId18"/>
+      <p:regular r:id="rId16"/>
+      <p:bold r:id="rId17"/>
+      <p:italic r:id="rId18"/>
+      <p:boldItalic r:id="rId19"/>
     </p:embeddedFont>
     <p:embeddedFont>
       <p:font typeface="Open Sans" panose="020B0606030504020204" pitchFamily="34" charset="0"/>
-      <p:regular r:id="rId19"/>
-      <p:bold r:id="rId20"/>
-      <p:italic r:id="rId21"/>
-      <p:boldItalic r:id="rId22"/>
+      <p:regular r:id="rId20"/>
+      <p:bold r:id="rId21"/>
+      <p:italic r:id="rId22"/>
+      <p:boldItalic r:id="rId23"/>
     </p:embeddedFont>
   </p:embeddedFontLst>
   <p:defaultTextStyle>
@@ -1360,6 +1361,115 @@
   <p:cSld>
     <p:spTree>
       <p:nvGrpSpPr>
+        <p:cNvPr id="1" name="Shape 115"/>
+        <p:cNvGrpSpPr/>
+        <p:nvPr/>
+      </p:nvGrpSpPr>
+      <p:grpSpPr>
+        <a:xfrm>
+          <a:off x="0" y="0"/>
+          <a:ext cx="0" cy="0"/>
+          <a:chOff x="0" y="0"/>
+          <a:chExt cx="0" cy="0"/>
+        </a:xfrm>
+      </p:grpSpPr>
+      <p:sp>
+        <p:nvSpPr>
+          <p:cNvPr id="116" name="Google Shape;116;g25f259db5f8_0_118:notes"/>
+          <p:cNvSpPr>
+            <a:spLocks noGrp="1" noRot="1" noChangeAspect="1"/>
+          </p:cNvSpPr>
+          <p:nvPr>
+            <p:ph type="sldImg" idx="2"/>
+          </p:nvPr>
+        </p:nvSpPr>
+        <p:spPr>
+          <a:xfrm>
+            <a:off x="381000" y="685800"/>
+            <a:ext cx="6096000" cy="3429000"/>
+          </a:xfrm>
+          <a:custGeom>
+            <a:avLst/>
+            <a:gdLst/>
+            <a:ahLst/>
+            <a:cxnLst/>
+            <a:rect l="l" t="t" r="r" b="b"/>
+            <a:pathLst>
+              <a:path w="120000" h="120000" extrusionOk="0">
+                <a:moveTo>
+                  <a:pt x="0" y="0"/>
+                </a:moveTo>
+                <a:lnTo>
+                  <a:pt x="120000" y="0"/>
+                </a:lnTo>
+                <a:lnTo>
+                  <a:pt x="120000" y="120000"/>
+                </a:lnTo>
+                <a:lnTo>
+                  <a:pt x="0" y="120000"/>
+                </a:lnTo>
+                <a:close/>
+              </a:path>
+            </a:pathLst>
+          </a:custGeom>
+        </p:spPr>
+      </p:sp>
+      <p:sp>
+        <p:nvSpPr>
+          <p:cNvPr id="117" name="Google Shape;117;g25f259db5f8_0_118:notes"/>
+          <p:cNvSpPr txBox="1">
+            <a:spLocks noGrp="1"/>
+          </p:cNvSpPr>
+          <p:nvPr>
+            <p:ph type="body" idx="1"/>
+          </p:nvPr>
+        </p:nvSpPr>
+        <p:spPr>
+          <a:xfrm>
+            <a:off x="685800" y="4343400"/>
+            <a:ext cx="5486400" cy="4114800"/>
+          </a:xfrm>
+          <a:prstGeom prst="rect">
+            <a:avLst/>
+          </a:prstGeom>
+        </p:spPr>
+        <p:txBody>
+          <a:bodyPr spcFirstLastPara="1" wrap="square" lIns="91425" tIns="91425" rIns="91425" bIns="91425" anchor="t" anchorCtr="0">
+            <a:noAutofit/>
+          </a:bodyPr>
+          <a:lstStyle/>
+          <a:p>
+            <a:pPr marL="0" lvl="0" indent="0" algn="l" rtl="0">
+              <a:spcBef>
+                <a:spcPts val="0"/>
+              </a:spcBef>
+              <a:spcAft>
+                <a:spcPts val="0"/>
+              </a:spcAft>
+              <a:buNone/>
+            </a:pPr>
+            <a:endParaRPr dirty="0"/>
+          </a:p>
+        </p:txBody>
+      </p:sp>
+    </p:spTree>
+    <p:extLst>
+      <p:ext uri="{BB962C8B-B14F-4D97-AF65-F5344CB8AC3E}">
+        <p14:creationId xmlns:p14="http://schemas.microsoft.com/office/powerpoint/2010/main" val="3205766885"/>
+      </p:ext>
+    </p:extLst>
+  </p:cSld>
+  <p:clrMapOvr>
+    <a:masterClrMapping/>
+  </p:clrMapOvr>
+</p:notes>
+</file>
+
+<file path=ppt/notesSlides/notesSlide8.xml><?xml version="1.0" encoding="utf-8"?>
+<p:notes xmlns:a="http://schemas.openxmlformats.org/drawingml/2006/main" xmlns:r="http://schemas.openxmlformats.org/officeDocument/2006/relationships" xmlns:p="http://schemas.openxmlformats.org/presentationml/2006/main" showMasterSp="0" showMasterPhAnim="0">
+  <p:cSld>
+    <p:spTree>
+      <p:nvGrpSpPr>
         <p:cNvPr id="1" name="Shape 121"/>
         <p:cNvGrpSpPr/>
         <p:nvPr/>
@@ -1459,7 +1569,7 @@
 </p:notes>
 </file>
 
-<file path=ppt/notesSlides/notesSlide8.xml><?xml version="1.0" encoding="utf-8"?>
+<file path=ppt/notesSlides/notesSlide9.xml><?xml version="1.0" encoding="utf-8"?>
 <p:notes xmlns:a="http://schemas.openxmlformats.org/drawingml/2006/main" xmlns:r="http://schemas.openxmlformats.org/officeDocument/2006/relationships" xmlns:p="http://schemas.openxmlformats.org/presentationml/2006/main" showMasterSp="0" showMasterPhAnim="0">
   <p:cSld>
     <p:spTree>
@@ -10680,7 +10790,7 @@
         </p:nvSpPr>
         <p:spPr>
           <a:xfrm>
-            <a:off x="0" y="16226"/>
+            <a:off x="0" y="219875"/>
             <a:ext cx="5934940" cy="984534"/>
           </a:xfrm>
           <a:prstGeom prst="rect">
@@ -10780,14 +10890,613 @@
         </p:blipFill>
         <p:spPr>
           <a:xfrm>
-            <a:off x="5985537" y="46706"/>
-            <a:ext cx="3112743" cy="1816815"/>
+            <a:off x="5862319" y="92352"/>
+            <a:ext cx="3211949" cy="1874719"/>
           </a:xfrm>
           <a:prstGeom prst="rect">
             <a:avLst/>
           </a:prstGeom>
         </p:spPr>
       </p:pic>
+      <p:sp>
+        <p:nvSpPr>
+          <p:cNvPr id="8" name="Google Shape;120;p19"/>
+          <p:cNvSpPr txBox="1"/>
+          <p:nvPr/>
+        </p:nvSpPr>
+        <p:spPr>
+          <a:xfrm>
+            <a:off x="889000" y="2548865"/>
+            <a:ext cx="4973320" cy="823306"/>
+          </a:xfrm>
+          <a:prstGeom prst="rect">
+            <a:avLst/>
+          </a:prstGeom>
+          <a:noFill/>
+          <a:ln>
+            <a:noFill/>
+          </a:ln>
+        </p:spPr>
+        <p:txBody>
+          <a:bodyPr spcFirstLastPara="1" wrap="square" lIns="91425" tIns="91425" rIns="91425" bIns="91425" anchor="t" anchorCtr="0">
+            <a:noAutofit/>
+          </a:bodyPr>
+          <a:lstStyle/>
+          <a:p>
+            <a:pPr lvl="0"/>
+            <a:r>
+              <a:rPr lang="pl-PL" sz="4000" b="1" dirty="0" smtClean="0">
+                <a:solidFill>
+                  <a:schemeClr val="lt1"/>
+                </a:solidFill>
+                <a:latin typeface="Montserrat"/>
+                <a:ea typeface="Montserrat"/>
+                <a:cs typeface="Montserrat"/>
+                <a:sym typeface="Montserrat"/>
+              </a:rPr>
+              <a:t>CLI Address Book</a:t>
+            </a:r>
+            <a:endParaRPr sz="4000" b="1" dirty="0">
+              <a:solidFill>
+                <a:schemeClr val="lt1"/>
+              </a:solidFill>
+              <a:latin typeface="Montserrat"/>
+              <a:ea typeface="Montserrat"/>
+              <a:cs typeface="Montserrat"/>
+              <a:sym typeface="Montserrat"/>
+            </a:endParaRPr>
+          </a:p>
+        </p:txBody>
+      </p:sp>
+      <p:sp>
+        <p:nvSpPr>
+          <p:cNvPr id="6" name="Right Arrow 5"/>
+          <p:cNvSpPr/>
+          <p:nvPr/>
+        </p:nvSpPr>
+        <p:spPr>
+          <a:xfrm rot="13025147">
+            <a:off x="1394550" y="2240207"/>
+            <a:ext cx="796125" cy="154312"/>
+          </a:xfrm>
+          <a:prstGeom prst="rightArrow">
+            <a:avLst>
+              <a:gd name="adj1" fmla="val 34151"/>
+              <a:gd name="adj2" fmla="val 234590"/>
+            </a:avLst>
+          </a:prstGeom>
+        </p:spPr>
+        <p:style>
+          <a:lnRef idx="2">
+            <a:schemeClr val="accent1">
+              <a:shade val="50000"/>
+            </a:schemeClr>
+          </a:lnRef>
+          <a:fillRef idx="1">
+            <a:schemeClr val="accent1"/>
+          </a:fillRef>
+          <a:effectRef idx="0">
+            <a:schemeClr val="accent1"/>
+          </a:effectRef>
+          <a:fontRef idx="minor">
+            <a:schemeClr val="lt1"/>
+          </a:fontRef>
+        </p:style>
+        <p:txBody>
+          <a:bodyPr rtlCol="0" anchor="ctr"/>
+          <a:lstStyle/>
+          <a:p>
+            <a:pPr algn="ctr"/>
+            <a:endParaRPr lang="ru-RU"/>
+          </a:p>
+        </p:txBody>
+      </p:sp>
+      <p:sp>
+        <p:nvSpPr>
+          <p:cNvPr id="10" name="Right Arrow 9"/>
+          <p:cNvSpPr/>
+          <p:nvPr/>
+        </p:nvSpPr>
+        <p:spPr>
+          <a:xfrm rot="5400000">
+            <a:off x="3613128" y="3678166"/>
+            <a:ext cx="777247" cy="149824"/>
+          </a:xfrm>
+          <a:prstGeom prst="rightArrow">
+            <a:avLst>
+              <a:gd name="adj1" fmla="val 34151"/>
+              <a:gd name="adj2" fmla="val 234591"/>
+            </a:avLst>
+          </a:prstGeom>
+        </p:spPr>
+        <p:style>
+          <a:lnRef idx="2">
+            <a:schemeClr val="accent1">
+              <a:shade val="50000"/>
+            </a:schemeClr>
+          </a:lnRef>
+          <a:fillRef idx="1">
+            <a:schemeClr val="accent1"/>
+          </a:fillRef>
+          <a:effectRef idx="0">
+            <a:schemeClr val="accent1"/>
+          </a:effectRef>
+          <a:fontRef idx="minor">
+            <a:schemeClr val="lt1"/>
+          </a:fontRef>
+        </p:style>
+        <p:txBody>
+          <a:bodyPr rtlCol="0" anchor="ctr"/>
+          <a:lstStyle/>
+          <a:p>
+            <a:pPr algn="ctr"/>
+            <a:endParaRPr lang="ru-RU"/>
+          </a:p>
+        </p:txBody>
+      </p:sp>
+      <p:sp>
+        <p:nvSpPr>
+          <p:cNvPr id="11" name="Right Arrow 10"/>
+          <p:cNvSpPr/>
+          <p:nvPr/>
+        </p:nvSpPr>
+        <p:spPr>
+          <a:xfrm rot="7973105">
+            <a:off x="2099476" y="3545668"/>
+            <a:ext cx="814580" cy="130179"/>
+          </a:xfrm>
+          <a:prstGeom prst="rightArrow">
+            <a:avLst>
+              <a:gd name="adj1" fmla="val 34151"/>
+              <a:gd name="adj2" fmla="val 234590"/>
+            </a:avLst>
+          </a:prstGeom>
+        </p:spPr>
+        <p:style>
+          <a:lnRef idx="2">
+            <a:schemeClr val="accent1">
+              <a:shade val="50000"/>
+            </a:schemeClr>
+          </a:lnRef>
+          <a:fillRef idx="1">
+            <a:schemeClr val="accent1"/>
+          </a:fillRef>
+          <a:effectRef idx="0">
+            <a:schemeClr val="accent1"/>
+          </a:effectRef>
+          <a:fontRef idx="minor">
+            <a:schemeClr val="lt1"/>
+          </a:fontRef>
+        </p:style>
+        <p:txBody>
+          <a:bodyPr rtlCol="0" anchor="ctr"/>
+          <a:lstStyle/>
+          <a:p>
+            <a:pPr algn="ctr"/>
+            <a:endParaRPr lang="ru-RU"/>
+          </a:p>
+        </p:txBody>
+      </p:sp>
+      <p:sp>
+        <p:nvSpPr>
+          <p:cNvPr id="12" name="Right Arrow 11"/>
+          <p:cNvSpPr/>
+          <p:nvPr/>
+        </p:nvSpPr>
+        <p:spPr>
+          <a:xfrm rot="21298792">
+            <a:off x="5868585" y="2739811"/>
+            <a:ext cx="969597" cy="185719"/>
+          </a:xfrm>
+          <a:prstGeom prst="rightArrow">
+            <a:avLst>
+              <a:gd name="adj1" fmla="val 34151"/>
+              <a:gd name="adj2" fmla="val 234590"/>
+            </a:avLst>
+          </a:prstGeom>
+        </p:spPr>
+        <p:style>
+          <a:lnRef idx="2">
+            <a:schemeClr val="accent1">
+              <a:shade val="50000"/>
+            </a:schemeClr>
+          </a:lnRef>
+          <a:fillRef idx="1">
+            <a:schemeClr val="accent1"/>
+          </a:fillRef>
+          <a:effectRef idx="0">
+            <a:schemeClr val="accent1"/>
+          </a:effectRef>
+          <a:fontRef idx="minor">
+            <a:schemeClr val="lt1"/>
+          </a:fontRef>
+        </p:style>
+        <p:txBody>
+          <a:bodyPr rtlCol="0" anchor="ctr"/>
+          <a:lstStyle/>
+          <a:p>
+            <a:pPr algn="ctr"/>
+            <a:endParaRPr lang="ru-RU"/>
+          </a:p>
+        </p:txBody>
+      </p:sp>
+      <p:sp>
+        <p:nvSpPr>
+          <p:cNvPr id="13" name="Google Shape;120;p19"/>
+          <p:cNvSpPr txBox="1"/>
+          <p:nvPr/>
+        </p:nvSpPr>
+        <p:spPr>
+          <a:xfrm>
+            <a:off x="306587" y="1332842"/>
+            <a:ext cx="1185048" cy="634229"/>
+          </a:xfrm>
+          <a:prstGeom prst="rect">
+            <a:avLst/>
+          </a:prstGeom>
+          <a:noFill/>
+          <a:ln>
+            <a:noFill/>
+          </a:ln>
+        </p:spPr>
+        <p:txBody>
+          <a:bodyPr spcFirstLastPara="1" wrap="square" lIns="91425" tIns="91425" rIns="91425" bIns="91425" anchor="t" anchorCtr="0">
+            <a:noAutofit/>
+          </a:bodyPr>
+          <a:lstStyle/>
+          <a:p>
+            <a:pPr lvl="0"/>
+            <a:r>
+              <a:rPr lang="pl-PL" sz="2800" b="1" dirty="0" smtClean="0">
+                <a:solidFill>
+                  <a:schemeClr val="lt1"/>
+                </a:solidFill>
+                <a:latin typeface="Montserrat"/>
+                <a:ea typeface="Montserrat"/>
+                <a:cs typeface="Montserrat"/>
+                <a:sym typeface="Montserrat"/>
+              </a:rPr>
+              <a:t>Klasy</a:t>
+            </a:r>
+            <a:endParaRPr sz="2800" b="1" dirty="0">
+              <a:solidFill>
+                <a:schemeClr val="lt1"/>
+              </a:solidFill>
+              <a:latin typeface="Montserrat"/>
+              <a:ea typeface="Montserrat"/>
+              <a:cs typeface="Montserrat"/>
+              <a:sym typeface="Montserrat"/>
+            </a:endParaRPr>
+          </a:p>
+        </p:txBody>
+      </p:sp>
+      <p:sp>
+        <p:nvSpPr>
+          <p:cNvPr id="14" name="Google Shape;120;p19"/>
+          <p:cNvSpPr txBox="1"/>
+          <p:nvPr/>
+        </p:nvSpPr>
+        <p:spPr>
+          <a:xfrm>
+            <a:off x="3171632" y="4354754"/>
+            <a:ext cx="1810064" cy="788746"/>
+          </a:xfrm>
+          <a:prstGeom prst="rect">
+            <a:avLst/>
+          </a:prstGeom>
+          <a:noFill/>
+          <a:ln>
+            <a:noFill/>
+          </a:ln>
+        </p:spPr>
+        <p:txBody>
+          <a:bodyPr spcFirstLastPara="1" wrap="square" lIns="91425" tIns="91425" rIns="91425" bIns="91425" anchor="t" anchorCtr="0">
+            <a:noAutofit/>
+          </a:bodyPr>
+          <a:lstStyle/>
+          <a:p>
+            <a:pPr lvl="0"/>
+            <a:r>
+              <a:rPr lang="pl-PL" sz="2400" b="1" dirty="0" smtClean="0">
+                <a:solidFill>
+                  <a:schemeClr val="lt1"/>
+                </a:solidFill>
+                <a:latin typeface="Montserrat"/>
+                <a:ea typeface="Montserrat"/>
+                <a:cs typeface="Montserrat"/>
+                <a:sym typeface="Montserrat"/>
+              </a:rPr>
+              <a:t>Notebook</a:t>
+            </a:r>
+            <a:endParaRPr sz="2400" b="1" dirty="0">
+              <a:solidFill>
+                <a:schemeClr val="lt1"/>
+              </a:solidFill>
+              <a:latin typeface="Montserrat"/>
+              <a:ea typeface="Montserrat"/>
+              <a:cs typeface="Montserrat"/>
+              <a:sym typeface="Montserrat"/>
+            </a:endParaRPr>
+          </a:p>
+        </p:txBody>
+      </p:sp>
+      <p:sp>
+        <p:nvSpPr>
+          <p:cNvPr id="15" name="Google Shape;120;p19"/>
+          <p:cNvSpPr txBox="1"/>
+          <p:nvPr/>
+        </p:nvSpPr>
+        <p:spPr>
+          <a:xfrm>
+            <a:off x="956175" y="3920533"/>
+            <a:ext cx="1810064" cy="788746"/>
+          </a:xfrm>
+          <a:prstGeom prst="rect">
+            <a:avLst/>
+          </a:prstGeom>
+          <a:noFill/>
+          <a:ln>
+            <a:noFill/>
+          </a:ln>
+        </p:spPr>
+        <p:txBody>
+          <a:bodyPr spcFirstLastPara="1" wrap="square" lIns="91425" tIns="91425" rIns="91425" bIns="91425" anchor="t" anchorCtr="0">
+            <a:noAutofit/>
+          </a:bodyPr>
+          <a:lstStyle/>
+          <a:p>
+            <a:pPr lvl="0"/>
+            <a:r>
+              <a:rPr lang="pl-PL" sz="2400" b="1" dirty="0" smtClean="0">
+                <a:solidFill>
+                  <a:schemeClr val="lt1"/>
+                </a:solidFill>
+                <a:latin typeface="Montserrat"/>
+                <a:ea typeface="Montserrat"/>
+                <a:cs typeface="Montserrat"/>
+                <a:sym typeface="Montserrat"/>
+              </a:rPr>
+              <a:t>CLI logika</a:t>
+            </a:r>
+            <a:endParaRPr lang="pl-PL" sz="2400" b="1" dirty="0">
+              <a:solidFill>
+                <a:schemeClr val="lt1"/>
+              </a:solidFill>
+              <a:latin typeface="Montserrat"/>
+              <a:ea typeface="Montserrat"/>
+              <a:cs typeface="Montserrat"/>
+              <a:sym typeface="Montserrat"/>
+            </a:endParaRPr>
+          </a:p>
+        </p:txBody>
+      </p:sp>
+      <p:sp>
+        <p:nvSpPr>
+          <p:cNvPr id="16" name="Google Shape;120;p19"/>
+          <p:cNvSpPr txBox="1"/>
+          <p:nvPr/>
+        </p:nvSpPr>
+        <p:spPr>
+          <a:xfrm>
+            <a:off x="6212742" y="4011001"/>
+            <a:ext cx="2240378" cy="914992"/>
+          </a:xfrm>
+          <a:prstGeom prst="rect">
+            <a:avLst/>
+          </a:prstGeom>
+          <a:noFill/>
+          <a:ln>
+            <a:noFill/>
+          </a:ln>
+        </p:spPr>
+        <p:txBody>
+          <a:bodyPr spcFirstLastPara="1" wrap="square" lIns="91425" tIns="91425" rIns="91425" bIns="91425" anchor="t" anchorCtr="0">
+            <a:noAutofit/>
+          </a:bodyPr>
+          <a:lstStyle/>
+          <a:p>
+            <a:pPr lvl="0"/>
+            <a:r>
+              <a:rPr lang="pl-PL" sz="2400" b="1" dirty="0" smtClean="0">
+                <a:solidFill>
+                  <a:schemeClr val="lt1"/>
+                </a:solidFill>
+                <a:latin typeface="Montserrat"/>
+                <a:ea typeface="Montserrat"/>
+                <a:cs typeface="Montserrat"/>
+                <a:sym typeface="Montserrat"/>
+              </a:rPr>
+              <a:t>Zapisywanie i otczyt</a:t>
+            </a:r>
+            <a:endParaRPr lang="pl-PL" sz="2400" b="1" dirty="0">
+              <a:solidFill>
+                <a:schemeClr val="lt1"/>
+              </a:solidFill>
+              <a:latin typeface="Montserrat"/>
+              <a:ea typeface="Montserrat"/>
+              <a:cs typeface="Montserrat"/>
+              <a:sym typeface="Montserrat"/>
+            </a:endParaRPr>
+          </a:p>
+        </p:txBody>
+      </p:sp>
+      <p:sp>
+        <p:nvSpPr>
+          <p:cNvPr id="17" name="Right Arrow 16"/>
+          <p:cNvSpPr/>
+          <p:nvPr/>
+        </p:nvSpPr>
+        <p:spPr>
+          <a:xfrm rot="16200000">
+            <a:off x="3310990" y="2215954"/>
+            <a:ext cx="695944" cy="149684"/>
+          </a:xfrm>
+          <a:prstGeom prst="rightArrow">
+            <a:avLst>
+              <a:gd name="adj1" fmla="val 34151"/>
+              <a:gd name="adj2" fmla="val 234590"/>
+            </a:avLst>
+          </a:prstGeom>
+        </p:spPr>
+        <p:style>
+          <a:lnRef idx="2">
+            <a:schemeClr val="accent1">
+              <a:shade val="50000"/>
+            </a:schemeClr>
+          </a:lnRef>
+          <a:fillRef idx="1">
+            <a:schemeClr val="accent1"/>
+          </a:fillRef>
+          <a:effectRef idx="0">
+            <a:schemeClr val="accent1"/>
+          </a:effectRef>
+          <a:fontRef idx="minor">
+            <a:schemeClr val="lt1"/>
+          </a:fontRef>
+        </p:style>
+        <p:txBody>
+          <a:bodyPr rtlCol="0" anchor="ctr"/>
+          <a:lstStyle/>
+          <a:p>
+            <a:pPr algn="ctr"/>
+            <a:endParaRPr lang="ru-RU"/>
+          </a:p>
+        </p:txBody>
+      </p:sp>
+      <p:sp>
+        <p:nvSpPr>
+          <p:cNvPr id="18" name="Google Shape;120;p19"/>
+          <p:cNvSpPr txBox="1"/>
+          <p:nvPr/>
+        </p:nvSpPr>
+        <p:spPr>
+          <a:xfrm>
+            <a:off x="2771946" y="1247800"/>
+            <a:ext cx="1810064" cy="788746"/>
+          </a:xfrm>
+          <a:prstGeom prst="rect">
+            <a:avLst/>
+          </a:prstGeom>
+          <a:noFill/>
+          <a:ln>
+            <a:noFill/>
+          </a:ln>
+        </p:spPr>
+        <p:txBody>
+          <a:bodyPr spcFirstLastPara="1" wrap="square" lIns="91425" tIns="91425" rIns="91425" bIns="91425" anchor="t" anchorCtr="0">
+            <a:noAutofit/>
+          </a:bodyPr>
+          <a:lstStyle/>
+          <a:p>
+            <a:pPr lvl="0"/>
+            <a:r>
+              <a:rPr lang="pl-PL" sz="2400" b="1" dirty="0" smtClean="0">
+                <a:solidFill>
+                  <a:schemeClr val="lt1"/>
+                </a:solidFill>
+                <a:latin typeface="Montserrat"/>
+                <a:ea typeface="Montserrat"/>
+                <a:cs typeface="Montserrat"/>
+                <a:sym typeface="Montserrat"/>
+              </a:rPr>
+              <a:t>Instalacja</a:t>
+            </a:r>
+          </a:p>
+        </p:txBody>
+      </p:sp>
+      <p:sp>
+        <p:nvSpPr>
+          <p:cNvPr id="20" name="Right Arrow 19"/>
+          <p:cNvSpPr/>
+          <p:nvPr/>
+        </p:nvSpPr>
+        <p:spPr>
+          <a:xfrm rot="2218452">
+            <a:off x="5377522" y="3552451"/>
+            <a:ext cx="969597" cy="185719"/>
+          </a:xfrm>
+          <a:prstGeom prst="rightArrow">
+            <a:avLst>
+              <a:gd name="adj1" fmla="val 34151"/>
+              <a:gd name="adj2" fmla="val 234590"/>
+            </a:avLst>
+          </a:prstGeom>
+        </p:spPr>
+        <p:style>
+          <a:lnRef idx="2">
+            <a:schemeClr val="accent1">
+              <a:shade val="50000"/>
+            </a:schemeClr>
+          </a:lnRef>
+          <a:fillRef idx="1">
+            <a:schemeClr val="accent1"/>
+          </a:fillRef>
+          <a:effectRef idx="0">
+            <a:schemeClr val="accent1"/>
+          </a:effectRef>
+          <a:fontRef idx="minor">
+            <a:schemeClr val="lt1"/>
+          </a:fontRef>
+        </p:style>
+        <p:txBody>
+          <a:bodyPr rtlCol="0" anchor="ctr"/>
+          <a:lstStyle/>
+          <a:p>
+            <a:pPr algn="ctr"/>
+            <a:endParaRPr lang="ru-RU"/>
+          </a:p>
+        </p:txBody>
+      </p:sp>
+      <p:sp>
+        <p:nvSpPr>
+          <p:cNvPr id="21" name="Google Shape;120;p19"/>
+          <p:cNvSpPr txBox="1"/>
+          <p:nvPr/>
+        </p:nvSpPr>
+        <p:spPr>
+          <a:xfrm>
+            <a:off x="7010400" y="2308086"/>
+            <a:ext cx="1590040" cy="893197"/>
+          </a:xfrm>
+          <a:prstGeom prst="rect">
+            <a:avLst/>
+          </a:prstGeom>
+          <a:noFill/>
+          <a:ln>
+            <a:noFill/>
+          </a:ln>
+        </p:spPr>
+        <p:txBody>
+          <a:bodyPr spcFirstLastPara="1" wrap="square" lIns="91425" tIns="91425" rIns="91425" bIns="91425" anchor="t" anchorCtr="0">
+            <a:noAutofit/>
+          </a:bodyPr>
+          <a:lstStyle/>
+          <a:p>
+            <a:pPr lvl="0"/>
+            <a:r>
+              <a:rPr lang="pl-PL" sz="2400" b="1" dirty="0" smtClean="0">
+                <a:solidFill>
+                  <a:schemeClr val="lt1"/>
+                </a:solidFill>
+                <a:latin typeface="Montserrat"/>
+                <a:ea typeface="Montserrat"/>
+                <a:cs typeface="Montserrat"/>
+                <a:sym typeface="Montserrat"/>
+              </a:rPr>
+              <a:t>Address Book</a:t>
+            </a:r>
+            <a:endParaRPr sz="2400" b="1" dirty="0">
+              <a:solidFill>
+                <a:schemeClr val="lt1"/>
+              </a:solidFill>
+              <a:latin typeface="Montserrat"/>
+              <a:ea typeface="Montserrat"/>
+              <a:cs typeface="Montserrat"/>
+              <a:sym typeface="Montserrat"/>
+            </a:endParaRPr>
+          </a:p>
+        </p:txBody>
+      </p:sp>
     </p:spTree>
   </p:cSld>
   <p:clrMapOvr>
@@ -10804,6 +11513,411 @@
 </file>
 
 <file path=ppt/slides/slide7.xml><?xml version="1.0" encoding="utf-8"?>
+<p:sld xmlns:a="http://schemas.openxmlformats.org/drawingml/2006/main" xmlns:r="http://schemas.openxmlformats.org/officeDocument/2006/relationships" xmlns:p="http://schemas.openxmlformats.org/presentationml/2006/main">
+  <p:cSld>
+    <p:spTree>
+      <p:nvGrpSpPr>
+        <p:cNvPr id="1" name="Shape 118"/>
+        <p:cNvGrpSpPr/>
+        <p:nvPr/>
+      </p:nvGrpSpPr>
+      <p:grpSpPr>
+        <a:xfrm>
+          <a:off x="0" y="0"/>
+          <a:ext cx="0" cy="0"/>
+          <a:chOff x="0" y="0"/>
+          <a:chExt cx="0" cy="0"/>
+        </a:xfrm>
+      </p:grpSpPr>
+      <p:pic>
+        <p:nvPicPr>
+          <p:cNvPr id="3076" name="Picture 4" descr="12 Essential Insights for Managing Teams"/>
+          <p:cNvPicPr>
+            <a:picLocks noChangeAspect="1" noChangeArrowheads="1"/>
+          </p:cNvPicPr>
+          <p:nvPr/>
+        </p:nvPicPr>
+        <p:blipFill rotWithShape="1">
+          <a:blip r:embed="rId3">
+            <a:extLst>
+              <a:ext uri="{28A0092B-C50C-407E-A947-70E740481C1C}">
+                <a14:useLocalDpi xmlns:a14="http://schemas.microsoft.com/office/drawing/2010/main" val="0"/>
+              </a:ext>
+            </a:extLst>
+          </a:blip>
+          <a:srcRect b="16378"/>
+          <a:stretch/>
+        </p:blipFill>
+        <p:spPr bwMode="auto">
+          <a:xfrm>
+            <a:off x="86360" y="69825"/>
+            <a:ext cx="4485640" cy="2500655"/>
+          </a:xfrm>
+          <a:prstGeom prst="rect">
+            <a:avLst/>
+          </a:prstGeom>
+          <a:noFill/>
+          <a:extLst>
+            <a:ext uri="{909E8E84-426E-40DD-AFC4-6F175D3DCCD1}">
+              <a14:hiddenFill xmlns:a14="http://schemas.microsoft.com/office/drawing/2010/main">
+                <a:solidFill>
+                  <a:srgbClr val="FFFFFF"/>
+                </a:solidFill>
+              </a14:hiddenFill>
+            </a:ext>
+          </a:extLst>
+        </p:spPr>
+      </p:pic>
+      <p:pic>
+        <p:nvPicPr>
+          <p:cNvPr id="119" name="Google Shape;119;p19"/>
+          <p:cNvPicPr preferRelativeResize="0"/>
+          <p:nvPr/>
+        </p:nvPicPr>
+        <p:blipFill>
+          <a:blip r:embed="rId4">
+            <a:alphaModFix/>
+          </a:blip>
+          <a:stretch>
+            <a:fillRect/>
+          </a:stretch>
+        </p:blipFill>
+        <p:spPr>
+          <a:xfrm>
+            <a:off x="449988" y="4728537"/>
+            <a:ext cx="657581" cy="197456"/>
+          </a:xfrm>
+          <a:prstGeom prst="rect">
+            <a:avLst/>
+          </a:prstGeom>
+          <a:noFill/>
+          <a:ln>
+            <a:noFill/>
+          </a:ln>
+        </p:spPr>
+      </p:pic>
+      <p:sp>
+        <p:nvSpPr>
+          <p:cNvPr id="19" name="Google Shape;120;p19"/>
+          <p:cNvSpPr txBox="1"/>
+          <p:nvPr/>
+        </p:nvSpPr>
+        <p:spPr>
+          <a:xfrm>
+            <a:off x="4572000" y="640030"/>
+            <a:ext cx="4572000" cy="1249730"/>
+          </a:xfrm>
+          <a:prstGeom prst="rect">
+            <a:avLst/>
+          </a:prstGeom>
+          <a:noFill/>
+          <a:ln>
+            <a:noFill/>
+          </a:ln>
+        </p:spPr>
+        <p:txBody>
+          <a:bodyPr spcFirstLastPara="1" wrap="square" lIns="91425" tIns="91425" rIns="91425" bIns="91425" anchor="t" anchorCtr="0">
+            <a:noAutofit/>
+          </a:bodyPr>
+          <a:lstStyle/>
+          <a:p>
+            <a:pPr lvl="0"/>
+            <a:r>
+              <a:rPr lang="pl-PL" b="1" dirty="0" smtClean="0">
+                <a:solidFill>
+                  <a:schemeClr val="tx1"/>
+                </a:solidFill>
+                <a:latin typeface="Montserrat"/>
+                <a:ea typeface="Montserrat"/>
+                <a:cs typeface="Montserrat"/>
+                <a:sym typeface="Montserrat"/>
+              </a:rPr>
+              <a:t>Rozdzielenie zadań miedzy czląkami zespolu</a:t>
+            </a:r>
+          </a:p>
+          <a:p>
+            <a:pPr marL="285750" lvl="0" indent="-285750">
+              <a:buFontTx/>
+              <a:buChar char="-"/>
+            </a:pPr>
+            <a:r>
+              <a:rPr lang="pl-PL" b="1" dirty="0" smtClean="0">
+                <a:solidFill>
+                  <a:schemeClr val="tx1"/>
+                </a:solidFill>
+                <a:latin typeface="Montserrat"/>
+                <a:ea typeface="Montserrat"/>
+                <a:cs typeface="Montserrat"/>
+                <a:sym typeface="Montserrat"/>
+              </a:rPr>
+              <a:t>Ola – realizacja Adress Book</a:t>
+            </a:r>
+          </a:p>
+          <a:p>
+            <a:pPr marL="285750" lvl="0" indent="-285750">
+              <a:buFontTx/>
+              <a:buChar char="-"/>
+            </a:pPr>
+            <a:r>
+              <a:rPr lang="pl-PL" b="1" dirty="0" smtClean="0">
+                <a:solidFill>
+                  <a:schemeClr val="tx1"/>
+                </a:solidFill>
+                <a:latin typeface="Montserrat"/>
+                <a:ea typeface="Montserrat"/>
+                <a:cs typeface="Montserrat"/>
+                <a:sym typeface="Montserrat"/>
+              </a:rPr>
+              <a:t>Mikolaj – realizacja Notesa</a:t>
+            </a:r>
+          </a:p>
+          <a:p>
+            <a:pPr marL="285750" lvl="0" indent="-285750">
+              <a:buFontTx/>
+              <a:buChar char="-"/>
+            </a:pPr>
+            <a:r>
+              <a:rPr lang="pl-PL" b="1" dirty="0" smtClean="0">
+                <a:solidFill>
+                  <a:schemeClr val="tx1"/>
+                </a:solidFill>
+                <a:latin typeface="Montserrat"/>
+                <a:ea typeface="Montserrat"/>
+                <a:cs typeface="Montserrat"/>
+                <a:sym typeface="Montserrat"/>
+              </a:rPr>
+              <a:t>Paweł – CLI logika i Tagowanie notatek</a:t>
+            </a:r>
+          </a:p>
+          <a:p>
+            <a:pPr marL="285750" lvl="0" indent="-285750">
+              <a:buFontTx/>
+              <a:buChar char="-"/>
+            </a:pPr>
+            <a:r>
+              <a:rPr lang="pl-PL" b="1" dirty="0" smtClean="0">
+                <a:solidFill>
+                  <a:schemeClr val="tx1"/>
+                </a:solidFill>
+                <a:latin typeface="Montserrat"/>
+                <a:ea typeface="Montserrat"/>
+                <a:cs typeface="Montserrat"/>
+                <a:sym typeface="Montserrat"/>
+              </a:rPr>
+              <a:t>Olek – Seryalizacja i Setup</a:t>
+            </a:r>
+          </a:p>
+          <a:p>
+            <a:pPr lvl="0"/>
+            <a:endParaRPr b="1" dirty="0">
+              <a:solidFill>
+                <a:schemeClr val="tx1"/>
+              </a:solidFill>
+              <a:latin typeface="Montserrat"/>
+              <a:ea typeface="Montserrat"/>
+              <a:cs typeface="Montserrat"/>
+              <a:sym typeface="Montserrat"/>
+            </a:endParaRPr>
+          </a:p>
+        </p:txBody>
+      </p:sp>
+      <p:pic>
+        <p:nvPicPr>
+          <p:cNvPr id="3078" name="Picture 6" descr="How to Improve Your Problem-Solving Skills"/>
+          <p:cNvPicPr>
+            <a:picLocks noChangeAspect="1" noChangeArrowheads="1"/>
+          </p:cNvPicPr>
+          <p:nvPr/>
+        </p:nvPicPr>
+        <p:blipFill>
+          <a:blip r:embed="rId5">
+            <a:extLst>
+              <a:ext uri="{28A0092B-C50C-407E-A947-70E740481C1C}">
+                <a14:useLocalDpi xmlns:a14="http://schemas.microsoft.com/office/drawing/2010/main" val="0"/>
+              </a:ext>
+            </a:extLst>
+          </a:blip>
+          <a:srcRect/>
+          <a:stretch>
+            <a:fillRect/>
+          </a:stretch>
+        </p:blipFill>
+        <p:spPr bwMode="auto">
+          <a:xfrm>
+            <a:off x="4572000" y="2571750"/>
+            <a:ext cx="4572000" cy="2571750"/>
+          </a:xfrm>
+          <a:prstGeom prst="rect">
+            <a:avLst/>
+          </a:prstGeom>
+          <a:noFill/>
+          <a:extLst>
+            <a:ext uri="{909E8E84-426E-40DD-AFC4-6F175D3DCCD1}">
+              <a14:hiddenFill xmlns:a14="http://schemas.microsoft.com/office/drawing/2010/main">
+                <a:solidFill>
+                  <a:srgbClr val="FFFFFF"/>
+                </a:solidFill>
+              </a14:hiddenFill>
+            </a:ext>
+          </a:extLst>
+        </p:spPr>
+      </p:pic>
+      <p:sp>
+        <p:nvSpPr>
+          <p:cNvPr id="20" name="Google Shape;120;p19"/>
+          <p:cNvSpPr txBox="1"/>
+          <p:nvPr/>
+        </p:nvSpPr>
+        <p:spPr>
+          <a:xfrm>
+            <a:off x="86360" y="2930217"/>
+            <a:ext cx="4445000" cy="1352223"/>
+          </a:xfrm>
+          <a:prstGeom prst="rect">
+            <a:avLst/>
+          </a:prstGeom>
+          <a:noFill/>
+          <a:ln>
+            <a:noFill/>
+          </a:ln>
+        </p:spPr>
+        <p:txBody>
+          <a:bodyPr spcFirstLastPara="1" wrap="square" lIns="91425" tIns="91425" rIns="91425" bIns="91425" anchor="t" anchorCtr="0">
+            <a:noAutofit/>
+          </a:bodyPr>
+          <a:lstStyle/>
+          <a:p>
+            <a:pPr lvl="0"/>
+            <a:r>
+              <a:rPr lang="pl-PL" b="1" dirty="0" smtClean="0">
+                <a:solidFill>
+                  <a:schemeClr val="tx1"/>
+                </a:solidFill>
+                <a:latin typeface="Montserrat"/>
+                <a:ea typeface="Montserrat"/>
+                <a:cs typeface="Montserrat"/>
+                <a:sym typeface="Montserrat"/>
+              </a:rPr>
+              <a:t>Problemy podczas wykonywania proektu</a:t>
+            </a:r>
+          </a:p>
+          <a:p>
+            <a:pPr marL="228600" lvl="0" indent="-228600">
+              <a:buAutoNum type="arabicParenR"/>
+            </a:pPr>
+            <a:r>
+              <a:rPr lang="pl-PL" sz="1100" b="1" dirty="0" smtClean="0">
+                <a:solidFill>
+                  <a:schemeClr val="tx1"/>
+                </a:solidFill>
+                <a:latin typeface="Montserrat"/>
+                <a:ea typeface="Montserrat"/>
+                <a:cs typeface="Montserrat"/>
+                <a:sym typeface="Montserrat"/>
+              </a:rPr>
+              <a:t>Brak doswiadczenia podobnych proektów</a:t>
+            </a:r>
+          </a:p>
+          <a:p>
+            <a:pPr marL="228600" lvl="0" indent="-228600">
+              <a:buAutoNum type="arabicParenR"/>
+            </a:pPr>
+            <a:r>
+              <a:rPr lang="pl-PL" sz="1100" b="1" dirty="0" smtClean="0">
+                <a:solidFill>
+                  <a:schemeClr val="tx1"/>
+                </a:solidFill>
+                <a:latin typeface="Montserrat"/>
+                <a:ea typeface="Montserrat"/>
+                <a:cs typeface="Montserrat"/>
+                <a:sym typeface="Montserrat"/>
+              </a:rPr>
+              <a:t>Rozdzielenie obowiązków miedzy członkami zespolu</a:t>
+            </a:r>
+          </a:p>
+          <a:p>
+            <a:pPr marL="228600" lvl="0" indent="-228600">
+              <a:buAutoNum type="arabicParenR"/>
+            </a:pPr>
+            <a:r>
+              <a:rPr lang="pl-PL" sz="1100" b="1" dirty="0" smtClean="0">
+                <a:solidFill>
+                  <a:schemeClr val="tx1"/>
+                </a:solidFill>
+                <a:latin typeface="Montserrat"/>
+                <a:ea typeface="Montserrat"/>
+                <a:cs typeface="Montserrat"/>
+                <a:sym typeface="Montserrat"/>
+              </a:rPr>
+              <a:t>Brak czasu na testowanie</a:t>
+            </a:r>
+          </a:p>
+          <a:p>
+            <a:pPr marL="228600" lvl="0" indent="-228600">
+              <a:buAutoNum type="arabicParenR"/>
+            </a:pPr>
+            <a:r>
+              <a:rPr lang="pl-PL" sz="1100" b="1" dirty="0" smtClean="0">
+                <a:solidFill>
+                  <a:schemeClr val="tx1"/>
+                </a:solidFill>
+                <a:latin typeface="Montserrat"/>
+                <a:ea typeface="Montserrat"/>
+                <a:cs typeface="Montserrat"/>
+                <a:sym typeface="Montserrat"/>
+              </a:rPr>
+              <a:t>Trudność komunikacji między czląkami zespolu. </a:t>
+            </a:r>
+          </a:p>
+          <a:p>
+            <a:pPr marL="228600" lvl="0" indent="-228600">
+              <a:buAutoNum type="arabicParenR"/>
+            </a:pPr>
+            <a:r>
+              <a:rPr lang="pl-PL" sz="1100" b="1" dirty="0" smtClean="0">
+                <a:solidFill>
+                  <a:schemeClr val="tx1"/>
+                </a:solidFill>
+                <a:latin typeface="Montserrat"/>
+                <a:ea typeface="Montserrat"/>
+                <a:cs typeface="Montserrat"/>
+                <a:sym typeface="Montserrat"/>
+              </a:rPr>
+              <a:t>Zgrywanie wszystkich elementów do jednego dzialającego programu</a:t>
+            </a:r>
+            <a:endParaRPr sz="1100" b="1" dirty="0">
+              <a:solidFill>
+                <a:schemeClr val="tx1"/>
+              </a:solidFill>
+              <a:latin typeface="Montserrat"/>
+              <a:ea typeface="Montserrat"/>
+              <a:cs typeface="Montserrat"/>
+              <a:sym typeface="Montserrat"/>
+            </a:endParaRPr>
+          </a:p>
+        </p:txBody>
+      </p:sp>
+    </p:spTree>
+    <p:extLst>
+      <p:ext uri="{BB962C8B-B14F-4D97-AF65-F5344CB8AC3E}">
+        <p14:creationId xmlns:p14="http://schemas.microsoft.com/office/powerpoint/2010/main" val="2649617045"/>
+      </p:ext>
+    </p:extLst>
+  </p:cSld>
+  <p:clrMapOvr>
+    <a:masterClrMapping/>
+  </p:clrMapOvr>
+  <p:timing>
+    <p:tnLst>
+      <p:par>
+        <p:cTn id="1" dur="indefinite" restart="never" nodeType="tmRoot"/>
+      </p:par>
+    </p:tnLst>
+  </p:timing>
+</p:sld>
+</file>
+
+<file path=ppt/slides/slide8.xml><?xml version="1.0" encoding="utf-8"?>
 <p:sld xmlns:a="http://schemas.openxmlformats.org/drawingml/2006/main" xmlns:r="http://schemas.openxmlformats.org/officeDocument/2006/relationships" xmlns:p="http://schemas.openxmlformats.org/presentationml/2006/main">
   <p:cSld>
     <p:bg>
@@ -10912,7 +12026,7 @@
 </p:sld>
 </file>
 
-<file path=ppt/slides/slide8.xml><?xml version="1.0" encoding="utf-8"?>
+<file path=ppt/slides/slide9.xml><?xml version="1.0" encoding="utf-8"?>
 <p:sld xmlns:a="http://schemas.openxmlformats.org/drawingml/2006/main" xmlns:r="http://schemas.openxmlformats.org/officeDocument/2006/relationships" xmlns:p="http://schemas.openxmlformats.org/presentationml/2006/main">
   <p:cSld>
     <p:bg>
